--- a/Main ppt scm.pptx
+++ b/Main ppt scm.pptx
@@ -5,33 +5,26 @@
     <p:sldMasterId id="2147483648" r:id="rId1"/>
   </p:sldMasterIdLst>
   <p:notesMasterIdLst>
-    <p:notesMasterId r:id="rId4"/>
+    <p:notesMasterId r:id="rId12"/>
   </p:notesMasterIdLst>
   <p:sldIdLst>
-    <p:sldId id="256" r:id="rId3"/>
-    <p:sldId id="258" r:id="rId5"/>
-    <p:sldId id="289" r:id="rId6"/>
-    <p:sldId id="259" r:id="rId7"/>
-    <p:sldId id="273" r:id="rId8"/>
-    <p:sldId id="287" r:id="rId9"/>
-    <p:sldId id="292" r:id="rId10"/>
-    <p:sldId id="288" r:id="rId11"/>
-    <p:sldId id="290" r:id="rId12"/>
-    <p:sldId id="291" r:id="rId13"/>
+    <p:sldId id="256" r:id="rId2"/>
+    <p:sldId id="258" r:id="rId3"/>
+    <p:sldId id="289" r:id="rId4"/>
+    <p:sldId id="259" r:id="rId5"/>
+    <p:sldId id="273" r:id="rId6"/>
+    <p:sldId id="287" r:id="rId7"/>
+    <p:sldId id="292" r:id="rId8"/>
+    <p:sldId id="288" r:id="rId9"/>
+    <p:sldId id="290" r:id="rId10"/>
+    <p:sldId id="291" r:id="rId11"/>
   </p:sldIdLst>
   <p:sldSz cx="9144000" cy="6858000" type="screen4x3"/>
   <p:notesSz cx="6858000" cy="9144000"/>
   <p:embeddedFontLst>
     <p:embeddedFont>
-      <p:font typeface="Calibri" panose="020F0502020204030204"/>
-      <p:regular r:id="rId17"/>
-      <p:bold r:id="rId18"/>
-      <p:italic r:id="rId19"/>
-      <p:boldItalic r:id="rId20"/>
-    </p:embeddedFont>
-    <p:embeddedFont>
-      <p:font typeface="Arial Black" panose="020B0A04020102020204"/>
-      <p:bold r:id="rId21"/>
+      <p:font typeface="Arial Black" panose="020B0A04020102020204" pitchFamily="34" charset="0"/>
+      <p:bold r:id="rId13"/>
     </p:embeddedFont>
   </p:embeddedFontLst>
   <p:defaultTextStyle>
@@ -483,7 +476,9 @@
               <a:defRPr sz="1100"/>
             </a:lvl9pPr>
           </a:lstStyle>
-          <a:p/>
+          <a:p>
+            <a:endParaRPr/>
+          </a:p>
         </p:txBody>
       </p:sp>
     </p:spTree>
@@ -722,7 +717,7 @@
 </file>
 
 <file path=ppt/notesSlides/notesSlide1.xml><?xml version="1.0" encoding="utf-8"?>
-<p:notes xmlns:a="http://schemas.openxmlformats.org/drawingml/2006/main" xmlns:r="http://schemas.openxmlformats.org/officeDocument/2006/relationships" xmlns:p="http://schemas.openxmlformats.org/presentationml/2006/main" showMasterPhAnim="0" showMasterSp="0">
+<p:notes xmlns:a="http://schemas.openxmlformats.org/drawingml/2006/main" xmlns:r="http://schemas.openxmlformats.org/officeDocument/2006/relationships" xmlns:p="http://schemas.openxmlformats.org/presentationml/2006/main" showMasterSp="0" showMasterPhAnim="0">
   <p:cSld>
     <p:spTree>
       <p:nvGrpSpPr>
@@ -772,6 +767,7 @@
               </a:spcAft>
               <a:buNone/>
             </a:pPr>
+            <a:endParaRPr/>
           </a:p>
         </p:txBody>
       </p:sp>
@@ -825,7 +821,7 @@
 </file>
 
 <file path=ppt/notesSlides/notesSlide2.xml><?xml version="1.0" encoding="utf-8"?>
-<p:notes xmlns:a="http://schemas.openxmlformats.org/drawingml/2006/main" xmlns:r="http://schemas.openxmlformats.org/officeDocument/2006/relationships" xmlns:p="http://schemas.openxmlformats.org/presentationml/2006/main" showMasterPhAnim="0" showMasterSp="0">
+<p:notes xmlns:a="http://schemas.openxmlformats.org/drawingml/2006/main" xmlns:r="http://schemas.openxmlformats.org/officeDocument/2006/relationships" xmlns:p="http://schemas.openxmlformats.org/presentationml/2006/main" showMasterSp="0" showMasterPhAnim="0">
   <p:cSld>
     <p:spTree>
       <p:nvGrpSpPr>
@@ -875,6 +871,7 @@
               </a:spcAft>
               <a:buNone/>
             </a:pPr>
+            <a:endParaRPr/>
           </a:p>
         </p:txBody>
       </p:sp>
@@ -928,7 +925,7 @@
 </file>
 
 <file path=ppt/notesSlides/notesSlide3.xml><?xml version="1.0" encoding="utf-8"?>
-<p:notes xmlns:a="http://schemas.openxmlformats.org/drawingml/2006/main" xmlns:r="http://schemas.openxmlformats.org/officeDocument/2006/relationships" xmlns:p="http://schemas.openxmlformats.org/presentationml/2006/main" showMasterPhAnim="0" showMasterSp="0">
+<p:notes xmlns:a="http://schemas.openxmlformats.org/drawingml/2006/main" xmlns:r="http://schemas.openxmlformats.org/officeDocument/2006/relationships" xmlns:p="http://schemas.openxmlformats.org/presentationml/2006/main" showMasterSp="0" showMasterPhAnim="0">
   <p:cSld>
     <p:spTree>
       <p:nvGrpSpPr>
@@ -978,6 +975,7 @@
               </a:spcAft>
               <a:buNone/>
             </a:pPr>
+            <a:endParaRPr/>
           </a:p>
         </p:txBody>
       </p:sp>
@@ -1031,7 +1029,7 @@
 </file>
 
 <file path=ppt/slideLayouts/slideLayout1.xml><?xml version="1.0" encoding="utf-8"?>
-<p:sldLayout xmlns:a="http://schemas.openxmlformats.org/drawingml/2006/main" xmlns:r="http://schemas.openxmlformats.org/officeDocument/2006/relationships" xmlns:p="http://schemas.openxmlformats.org/presentationml/2006/main" type="blank" matchingName="Blank">
+<p:sldLayout xmlns:a="http://schemas.openxmlformats.org/drawingml/2006/main" xmlns:r="http://schemas.openxmlformats.org/officeDocument/2006/relationships" xmlns:p="http://schemas.openxmlformats.org/presentationml/2006/main" matchingName="Blank" type="blank">
   <p:cSld name="BLANK">
     <p:spTree>
       <p:nvGrpSpPr>
@@ -1175,7 +1173,9 @@
               <a:defRPr/>
             </a:lvl9pPr>
           </a:lstStyle>
-          <a:p/>
+          <a:p>
+            <a:endParaRPr/>
+          </a:p>
         </p:txBody>
       </p:sp>
       <p:sp>
@@ -1306,7 +1306,9 @@
               <a:defRPr/>
             </a:lvl9pPr>
           </a:lstStyle>
-          <a:p/>
+          <a:p>
+            <a:endParaRPr/>
+          </a:p>
         </p:txBody>
       </p:sp>
       <p:sp>
@@ -1413,6 +1415,7 @@
             </a:pPr>
             <a:fld id="{00000000-1234-1234-1234-123412341234}" type="slidenum">
               <a:rPr lang="en-US"/>
+              <a:t>‹#›</a:t>
             </a:fld>
             <a:endParaRPr lang="en-US"/>
           </a:p>
@@ -1423,13 +1426,13 @@
   <p:clrMapOvr>
     <a:masterClrMapping/>
   </p:clrMapOvr>
-  <mc:AlternateContent xmlns:mc="http://schemas.openxmlformats.org/markup-compatibility/2006">
-    <mc:Choice xmlns:p14="http://schemas.microsoft.com/office/powerpoint/2010/main" Requires="p14">
+  <mc:AlternateContent xmlns:mc="http://schemas.openxmlformats.org/markup-compatibility/2006" xmlns:p14="http://schemas.microsoft.com/office/powerpoint/2010/main">
+    <mc:Choice Requires="p14">
       <p:transition spd="slow" p14:dur="10000">
         <p:cut/>
       </p:transition>
     </mc:Choice>
-    <mc:Fallback>
+    <mc:Fallback xmlns="">
       <p:transition spd="slow">
         <p:cut/>
       </p:transition>
@@ -1439,7 +1442,7 @@
 </file>
 
 <file path=ppt/slideLayouts/slideLayout2.xml><?xml version="1.0" encoding="utf-8"?>
-<p:sldLayout xmlns:a="http://schemas.openxmlformats.org/drawingml/2006/main" xmlns:r="http://schemas.openxmlformats.org/officeDocument/2006/relationships" xmlns:p="http://schemas.openxmlformats.org/presentationml/2006/main" type="title" matchingName="Title Slide">
+<p:sldLayout xmlns:a="http://schemas.openxmlformats.org/drawingml/2006/main" xmlns:r="http://schemas.openxmlformats.org/officeDocument/2006/relationships" xmlns:p="http://schemas.openxmlformats.org/presentationml/2006/main" matchingName="Title Slide" type="title">
   <p:cSld name="TITLE">
     <p:spTree>
       <p:nvGrpSpPr>
@@ -1588,7 +1591,9 @@
               <a:defRPr/>
             </a:lvl9pPr>
           </a:lstStyle>
-          <a:p/>
+          <a:p>
+            <a:endParaRPr/>
+          </a:p>
         </p:txBody>
       </p:sp>
       <p:sp>
@@ -1782,7 +1787,9 @@
               </a:defRPr>
             </a:lvl9pPr>
           </a:lstStyle>
-          <a:p/>
+          <a:p>
+            <a:endParaRPr/>
+          </a:p>
         </p:txBody>
       </p:sp>
       <p:sp>
@@ -1913,7 +1920,9 @@
               <a:defRPr/>
             </a:lvl9pPr>
           </a:lstStyle>
-          <a:p/>
+          <a:p>
+            <a:endParaRPr/>
+          </a:p>
         </p:txBody>
       </p:sp>
       <p:sp>
@@ -2044,7 +2053,9 @@
               <a:defRPr/>
             </a:lvl9pPr>
           </a:lstStyle>
-          <a:p/>
+          <a:p>
+            <a:endParaRPr/>
+          </a:p>
         </p:txBody>
       </p:sp>
       <p:sp>
@@ -2223,6 +2234,7 @@
             </a:pPr>
             <a:fld id="{00000000-1234-1234-1234-123412341234}" type="slidenum">
               <a:rPr lang="en-US"/>
+              <a:t>‹#›</a:t>
             </a:fld>
             <a:endParaRPr lang="en-US"/>
           </a:p>
@@ -2233,13 +2245,13 @@
   <p:clrMapOvr>
     <a:masterClrMapping/>
   </p:clrMapOvr>
-  <mc:AlternateContent xmlns:mc="http://schemas.openxmlformats.org/markup-compatibility/2006">
-    <mc:Choice xmlns:p14="http://schemas.microsoft.com/office/powerpoint/2010/main" Requires="p14">
+  <mc:AlternateContent xmlns:mc="http://schemas.openxmlformats.org/markup-compatibility/2006" xmlns:p14="http://schemas.microsoft.com/office/powerpoint/2010/main">
+    <mc:Choice Requires="p14">
       <p:transition spd="slow" p14:dur="10000">
         <p:cut/>
       </p:transition>
     </mc:Choice>
-    <mc:Fallback>
+    <mc:Fallback xmlns="">
       <p:transition spd="slow">
         <p:cut/>
       </p:transition>
@@ -2249,7 +2261,7 @@
 </file>
 
 <file path=ppt/slideLayouts/slideLayout3.xml><?xml version="1.0" encoding="utf-8"?>
-<p:sldLayout xmlns:a="http://schemas.openxmlformats.org/drawingml/2006/main" xmlns:r="http://schemas.openxmlformats.org/officeDocument/2006/relationships" xmlns:p="http://schemas.openxmlformats.org/presentationml/2006/main" type="obj" matchingName="Title and Content">
+<p:sldLayout xmlns:a="http://schemas.openxmlformats.org/drawingml/2006/main" xmlns:r="http://schemas.openxmlformats.org/officeDocument/2006/relationships" xmlns:p="http://schemas.openxmlformats.org/presentationml/2006/main" matchingName="Title and Content" type="obj">
   <p:cSld name="OBJECT">
     <p:spTree>
       <p:nvGrpSpPr>
@@ -2590,7 +2602,9 @@
               <a:defRPr/>
             </a:lvl9pPr>
           </a:lstStyle>
-          <a:p/>
+          <a:p>
+            <a:endParaRPr/>
+          </a:p>
         </p:txBody>
       </p:sp>
       <p:sp>
@@ -2773,7 +2787,9 @@
               <a:defRPr/>
             </a:lvl9pPr>
           </a:lstStyle>
-          <a:p/>
+          <a:p>
+            <a:endParaRPr/>
+          </a:p>
         </p:txBody>
       </p:sp>
       <p:sp>
@@ -2904,7 +2920,9 @@
               <a:defRPr/>
             </a:lvl9pPr>
           </a:lstStyle>
-          <a:p/>
+          <a:p>
+            <a:endParaRPr/>
+          </a:p>
         </p:txBody>
       </p:sp>
       <p:sp>
@@ -3035,7 +3053,9 @@
               <a:defRPr/>
             </a:lvl9pPr>
           </a:lstStyle>
-          <a:p/>
+          <a:p>
+            <a:endParaRPr/>
+          </a:p>
         </p:txBody>
       </p:sp>
       <p:sp>
@@ -3214,6 +3234,7 @@
             </a:pPr>
             <a:fld id="{00000000-1234-1234-1234-123412341234}" type="slidenum">
               <a:rPr lang="en-US"/>
+              <a:t>‹#›</a:t>
             </a:fld>
             <a:endParaRPr lang="en-US"/>
           </a:p>
@@ -3224,13 +3245,13 @@
   <p:clrMapOvr>
     <a:masterClrMapping/>
   </p:clrMapOvr>
-  <mc:AlternateContent xmlns:mc="http://schemas.openxmlformats.org/markup-compatibility/2006">
-    <mc:Choice xmlns:p14="http://schemas.microsoft.com/office/powerpoint/2010/main" Requires="p14">
+  <mc:AlternateContent xmlns:mc="http://schemas.openxmlformats.org/markup-compatibility/2006" xmlns:p14="http://schemas.microsoft.com/office/powerpoint/2010/main">
+    <mc:Choice Requires="p14">
       <p:transition spd="slow" p14:dur="10000">
         <p:cut/>
       </p:transition>
     </mc:Choice>
-    <mc:Fallback>
+    <mc:Fallback xmlns="">
       <p:transition spd="slow">
         <p:cut/>
       </p:transition>
@@ -3464,7 +3485,9 @@
               </a:defRPr>
             </a:lvl9pPr>
           </a:lstStyle>
-          <a:p/>
+          <a:p>
+            <a:endParaRPr/>
+          </a:p>
         </p:txBody>
       </p:sp>
       <p:sp>
@@ -3703,7 +3726,9 @@
               </a:defRPr>
             </a:lvl9pPr>
           </a:lstStyle>
-          <a:p/>
+          <a:p>
+            <a:endParaRPr/>
+          </a:p>
         </p:txBody>
       </p:sp>
       <p:sp>
@@ -3906,7 +3931,9 @@
               </a:defRPr>
             </a:lvl9pPr>
           </a:lstStyle>
-          <a:p/>
+          <a:p>
+            <a:endParaRPr/>
+          </a:p>
         </p:txBody>
       </p:sp>
       <p:sp>
@@ -4109,7 +4136,9 @@
               </a:defRPr>
             </a:lvl9pPr>
           </a:lstStyle>
-          <a:p/>
+          <a:p>
+            <a:endParaRPr/>
+          </a:p>
         </p:txBody>
       </p:sp>
       <p:sp>
@@ -4288,6 +4317,7 @@
             </a:pPr>
             <a:fld id="{00000000-1234-1234-1234-123412341234}" type="slidenum">
               <a:rPr lang="en-US"/>
+              <a:t>‹#›</a:t>
             </a:fld>
             <a:endParaRPr lang="en-US"/>
           </a:p>
@@ -4396,7 +4426,7 @@
           <p:nvPr/>
         </p:nvPicPr>
         <p:blipFill rotWithShape="1">
-          <a:blip r:embed="rId4"/>
+          <a:blip r:embed="rId5"/>
           <a:srcRect b="10713"/>
           <a:stretch>
             <a:fillRect/>
@@ -4423,7 +4453,7 @@
           <p:nvPr/>
         </p:nvPicPr>
         <p:blipFill rotWithShape="1">
-          <a:blip r:embed="rId4"/>
+          <a:blip r:embed="rId5"/>
           <a:srcRect b="10713"/>
           <a:stretch>
             <a:fillRect/>
@@ -4512,7 +4542,7 @@
             <p:nvPr/>
           </p:nvPicPr>
           <p:blipFill rotWithShape="1">
-            <a:blip r:embed="rId4"/>
+            <a:blip r:embed="rId5"/>
             <a:srcRect b="10713"/>
             <a:stretch>
               <a:fillRect/>
@@ -4588,7 +4618,7 @@
           <p:nvPr/>
         </p:nvPicPr>
         <p:blipFill rotWithShape="1">
-          <a:blip r:embed="rId5"/>
+          <a:blip r:embed="rId6"/>
           <a:srcRect/>
           <a:stretch>
             <a:fillRect/>
@@ -4616,13 +4646,13 @@
     <p:sldLayoutId id="2147483650" r:id="rId2"/>
     <p:sldLayoutId id="2147483651" r:id="rId3"/>
   </p:sldLayoutIdLst>
-  <mc:AlternateContent xmlns:mc="http://schemas.openxmlformats.org/markup-compatibility/2006">
-    <mc:Choice xmlns:p14="http://schemas.microsoft.com/office/powerpoint/2010/main" Requires="p14">
+  <mc:AlternateContent xmlns:mc="http://schemas.openxmlformats.org/markup-compatibility/2006" xmlns:p14="http://schemas.microsoft.com/office/powerpoint/2010/main">
+    <mc:Choice Requires="p14">
       <p:transition spd="slow" p14:dur="10000">
         <p:cut/>
       </p:transition>
     </mc:Choice>
-    <mc:Fallback>
+    <mc:Fallback xmlns="">
       <p:transition spd="slow">
         <p:cut/>
       </p:transition>
@@ -5384,15 +5414,6 @@
               </a:rPr>
               <a:t>Source Code Management</a:t>
             </a:r>
-            <a:endParaRPr lang="en-IN" altLang="en-US" sz="3600" dirty="0">
-              <a:solidFill>
-                <a:srgbClr val="FF0000"/>
-              </a:solidFill>
-              <a:latin typeface="Arial Black" panose="020B0A04020102020204"/>
-              <a:ea typeface="Arial Black" panose="020B0A04020102020204"/>
-              <a:cs typeface="Arial Black" panose="020B0A04020102020204"/>
-              <a:sym typeface="Arial Black" panose="020B0A04020102020204"/>
-            </a:endParaRPr>
           </a:p>
           <a:p>
             <a:pPr marL="0" marR="0" lvl="0" indent="0" algn="ctr" rtl="0">
@@ -5416,15 +5437,6 @@
               </a:rPr>
               <a:t>(SCM)</a:t>
             </a:r>
-            <a:endParaRPr lang="en-IN" altLang="en-US" sz="3600" dirty="0">
-              <a:solidFill>
-                <a:srgbClr val="FF0000"/>
-              </a:solidFill>
-              <a:latin typeface="Arial Black" panose="020B0A04020102020204"/>
-              <a:ea typeface="Arial Black" panose="020B0A04020102020204"/>
-              <a:cs typeface="Arial Black" panose="020B0A04020102020204"/>
-              <a:sym typeface="Arial Black" panose="020B0A04020102020204"/>
-            </a:endParaRPr>
           </a:p>
         </p:txBody>
       </p:sp>
@@ -5474,15 +5486,6 @@
               </a:rPr>
               <a:t>:</a:t>
             </a:r>
-            <a:endParaRPr lang="en-US" sz="2000">
-              <a:solidFill>
-                <a:schemeClr val="dk1"/>
-              </a:solidFill>
-              <a:latin typeface="Times New Roman" panose="02020603050405020304"/>
-              <a:ea typeface="Times New Roman" panose="02020603050405020304"/>
-              <a:cs typeface="Times New Roman" panose="02020603050405020304"/>
-              <a:sym typeface="Times New Roman" panose="02020603050405020304"/>
-            </a:endParaRPr>
           </a:p>
           <a:p>
             <a:pPr marL="0" marR="0" lvl="0" indent="0" algn="l" rtl="0">
@@ -5598,15 +5601,6 @@
               </a:rPr>
               <a:t>Aryan Sanghi   (2410990186)(Team Lead)</a:t>
             </a:r>
-            <a:endParaRPr lang="en-US" sz="2000" dirty="0">
-              <a:solidFill>
-                <a:schemeClr val="dk1"/>
-              </a:solidFill>
-              <a:latin typeface="Calibri" panose="020F0502020204030204"/>
-              <a:ea typeface="Calibri" panose="020F0502020204030204"/>
-              <a:cs typeface="Calibri" panose="020F0502020204030204"/>
-              <a:sym typeface="Calibri" panose="020F0502020204030204"/>
-            </a:endParaRPr>
           </a:p>
           <a:p>
             <a:pPr marL="0" marR="0" lvl="0" indent="0" algn="l" rtl="0">
@@ -5674,15 +5668,6 @@
               </a:rPr>
               <a:t> Singh Saluja (2410990226)</a:t>
             </a:r>
-            <a:endParaRPr lang="en-IN" sz="2000" dirty="0">
-              <a:solidFill>
-                <a:schemeClr val="dk1"/>
-              </a:solidFill>
-              <a:latin typeface="Calibri" panose="020F0502020204030204"/>
-              <a:ea typeface="Calibri" panose="020F0502020204030204"/>
-              <a:cs typeface="Calibri" panose="020F0502020204030204"/>
-              <a:sym typeface="Calibri" panose="020F0502020204030204"/>
-            </a:endParaRPr>
           </a:p>
           <a:p>
             <a:pPr marL="0" marR="0" lvl="0" indent="0" algn="l" rtl="0">
@@ -5706,15 +5691,6 @@
               </a:rPr>
               <a:t>Chirag Sharma (2410990221)</a:t>
             </a:r>
-            <a:endParaRPr lang="en-IN" sz="2000" dirty="0">
-              <a:solidFill>
-                <a:schemeClr val="dk1"/>
-              </a:solidFill>
-              <a:latin typeface="Calibri" panose="020F0502020204030204"/>
-              <a:ea typeface="Calibri" panose="020F0502020204030204"/>
-              <a:cs typeface="Calibri" panose="020F0502020204030204"/>
-              <a:sym typeface="Calibri" panose="020F0502020204030204"/>
-            </a:endParaRPr>
           </a:p>
           <a:p>
             <a:pPr marL="0" marR="0" lvl="0" indent="0" algn="l" rtl="0">
@@ -5892,15 +5868,6 @@
               </a:rPr>
               <a:t>Chitkara University Institute of Engineering and Technology, </a:t>
             </a:r>
-            <a:endParaRPr lang="en-US" sz="2000" b="1">
-              <a:solidFill>
-                <a:srgbClr val="FF0000"/>
-              </a:solidFill>
-              <a:latin typeface="Times New Roman" panose="02020603050405020304"/>
-              <a:ea typeface="Times New Roman" panose="02020603050405020304"/>
-              <a:cs typeface="Times New Roman" panose="02020603050405020304"/>
-              <a:sym typeface="Times New Roman" panose="02020603050405020304"/>
-            </a:endParaRPr>
           </a:p>
           <a:p>
             <a:pPr marL="0" marR="0" lvl="0" indent="0" algn="ctr" rtl="0">
@@ -5941,11 +5908,11 @@
   <p:clrMapOvr>
     <a:masterClrMapping/>
   </p:clrMapOvr>
-  <mc:AlternateContent xmlns:mc="http://schemas.openxmlformats.org/markup-compatibility/2006">
-    <mc:Choice xmlns:p14="http://schemas.microsoft.com/office/powerpoint/2010/main" Requires="p14">
+  <mc:AlternateContent xmlns:mc="http://schemas.openxmlformats.org/markup-compatibility/2006" xmlns:p14="http://schemas.microsoft.com/office/powerpoint/2010/main">
+    <mc:Choice Requires="p14">
       <p:transition p14:dur="0"/>
     </mc:Choice>
-    <mc:Fallback>
+    <mc:Fallback xmlns="">
       <p:transition/>
     </mc:Fallback>
   </mc:AlternateContent>
@@ -5961,7 +5928,14 @@
         <p:cNvGrpSpPr/>
         <p:nvPr/>
       </p:nvGrpSpPr>
-      <p:grpSpPr/>
+      <p:grpSpPr>
+        <a:xfrm>
+          <a:off x="0" y="0"/>
+          <a:ext cx="0" cy="0"/>
+          <a:chOff x="0" y="0"/>
+          <a:chExt cx="0" cy="0"/>
+        </a:xfrm>
+      </p:grpSpPr>
       <p:sp>
         <p:nvSpPr>
           <p:cNvPr id="2" name="Text Box 1"/>
@@ -5982,12 +5956,12 @@
           <a:bodyPr wrap="square" rtlCol="0">
             <a:noAutofit/>
           </a:bodyPr>
+          <a:lstStyle/>
           <a:p>
             <a:r>
               <a:rPr lang="en-US" sz="2400"/>
               <a:t>Project Final Output</a:t>
             </a:r>
-            <a:endParaRPr lang="en-US" sz="2400"/>
           </a:p>
         </p:txBody>
       </p:sp>
@@ -6011,6 +5985,7 @@
           <a:bodyPr wrap="square" rtlCol="0">
             <a:noAutofit/>
           </a:bodyPr>
+          <a:lstStyle/>
           <a:p>
             <a:pPr marL="342900" indent="-342900">
               <a:buFont typeface="Arial" panose="020B0604020202020204" pitchFamily="34" charset="0"/>
@@ -6020,7 +5995,6 @@
               <a:rPr lang="en-US" altLang="en-US" sz="1800"/>
               <a:t>Gained hands-on experience with HTML, CSS, and responsive web design.</a:t>
             </a:r>
-            <a:endParaRPr lang="en-US" altLang="en-US" sz="1800"/>
           </a:p>
           <a:p>
             <a:endParaRPr lang="en-US" altLang="en-US" sz="1800"/>
@@ -6034,7 +6008,6 @@
               <a:rPr lang="en-US" altLang="en-US" sz="1800"/>
               <a:t>Understood the importance of UI design in creating user-friendly websites.</a:t>
             </a:r>
-            <a:endParaRPr lang="en-US" altLang="en-US" sz="1800"/>
           </a:p>
           <a:p>
             <a:endParaRPr lang="en-US" altLang="en-US" sz="1800"/>
@@ -6048,7 +6021,6 @@
               <a:rPr lang="en-US" altLang="en-US" sz="1800"/>
               <a:t>Learned to structure code effectively using a modular and maintainable layout.</a:t>
             </a:r>
-            <a:endParaRPr lang="en-US" altLang="en-US" sz="1800"/>
           </a:p>
           <a:p>
             <a:endParaRPr lang="en-US" altLang="en-US" sz="1800"/>
@@ -6062,7 +6034,6 @@
               <a:rPr lang="en-US" altLang="en-US" sz="1800"/>
               <a:t>Improved skills in using Git and GitHub for version control and collaboration.</a:t>
             </a:r>
-            <a:endParaRPr lang="en-US" altLang="en-US" sz="1800"/>
           </a:p>
           <a:p>
             <a:endParaRPr lang="en-US" altLang="en-US" sz="1800"/>
@@ -6076,7 +6047,6 @@
               <a:rPr lang="en-US" altLang="en-US" sz="1800"/>
               <a:t>Discovered how to deploy a static site using GitHub Pages.</a:t>
             </a:r>
-            <a:endParaRPr lang="en-US" altLang="en-US" sz="1800"/>
           </a:p>
           <a:p>
             <a:endParaRPr lang="en-US" altLang="en-US" sz="1800"/>
@@ -6090,7 +6060,6 @@
               <a:rPr lang="en-US" altLang="en-US" sz="1800"/>
               <a:t>Learned to debug layout issues across different devices and screen sizes.</a:t>
             </a:r>
-            <a:endParaRPr lang="en-US" altLang="en-US" sz="1800"/>
           </a:p>
           <a:p>
             <a:endParaRPr lang="en-US" altLang="en-US" sz="1800"/>
@@ -6104,7 +6073,6 @@
               <a:rPr lang="en-US" altLang="en-US" sz="1800"/>
               <a:t>Understood how to optimize images and assets for better performance.</a:t>
             </a:r>
-            <a:endParaRPr lang="en-US" altLang="en-US" sz="1800"/>
           </a:p>
           <a:p>
             <a:endParaRPr lang="en-US" altLang="en-US" sz="1800"/>
@@ -6118,7 +6086,6 @@
               <a:rPr lang="en-US" altLang="en-US" sz="1800"/>
               <a:t>Enhanced understanding of real-world project planning, organization, and execution.</a:t>
             </a:r>
-            <a:endParaRPr lang="en-US" altLang="en-US" sz="1800"/>
           </a:p>
           <a:p>
             <a:endParaRPr lang="en-US" altLang="en-US" sz="1800"/>
@@ -6132,7 +6099,6 @@
               <a:rPr lang="en-US" altLang="en-US" sz="1800"/>
               <a:t>Experienced the importance of clean, readable code for future updates and scalability.</a:t>
             </a:r>
-            <a:endParaRPr lang="en-US" altLang="en-US" sz="1800"/>
           </a:p>
           <a:p>
             <a:pPr marL="0" indent="0">
@@ -6148,13 +6114,13 @@
   <p:clrMapOvr>
     <a:masterClrMapping/>
   </p:clrMapOvr>
-  <mc:AlternateContent xmlns:mc="http://schemas.openxmlformats.org/markup-compatibility/2006">
-    <mc:Choice xmlns:p14="http://schemas.microsoft.com/office/powerpoint/2010/main" Requires="p14">
+  <mc:AlternateContent xmlns:mc="http://schemas.openxmlformats.org/markup-compatibility/2006" xmlns:p14="http://schemas.microsoft.com/office/powerpoint/2010/main">
+    <mc:Choice Requires="p14">
       <p:transition spd="slow" p14:dur="10000">
         <p:cut/>
       </p:transition>
     </mc:Choice>
-    <mc:Fallback>
+    <mc:Fallback xmlns="">
       <p:transition spd="slow">
         <p:cut/>
       </p:transition>
@@ -6212,10 +6178,6 @@
               </a:rPr>
               <a:t>Our project, Online Portfolio, serves as a professional showcase of our web development skills, creativity, and technical expertise. This platform allows users to explore our past projects, services, and experiences in an interactive and visually appealing manner.</a:t>
             </a:r>
-            <a:endParaRPr lang="en-US" altLang="en-US" sz="2400" dirty="0">
-              <a:latin typeface="Times New Roman" panose="02020603050405020304" pitchFamily="18" charset="0"/>
-              <a:cs typeface="Times New Roman" panose="02020603050405020304" pitchFamily="18" charset="0"/>
-            </a:endParaRPr>
           </a:p>
           <a:p>
             <a:r>
@@ -6225,10 +6187,6 @@
               </a:rPr>
               <a:t>With a focus on modern web technologies, our portfolio highlights expertise in HTML, CSS, JavaScript, UI/UX design, and full-stack development. It features a seamless navigation system, dynamic project displays, and an engaging user experience to leave a lasting impression on visitors.</a:t>
             </a:r>
-            <a:endParaRPr lang="en-US" altLang="en-US" sz="2400" dirty="0">
-              <a:latin typeface="Times New Roman" panose="02020603050405020304" pitchFamily="18" charset="0"/>
-              <a:cs typeface="Times New Roman" panose="02020603050405020304" pitchFamily="18" charset="0"/>
-            </a:endParaRPr>
           </a:p>
           <a:p>
             <a:r>
@@ -6238,10 +6196,6 @@
               </a:rPr>
               <a:t>This project not only represents our technical capabilities but also provides a foundation for continuous learning and innovation. By integrating responsive design and interactive elements, we aim to demonstrate our commitment to excellence in web development.</a:t>
             </a:r>
-            <a:endParaRPr lang="en-US" altLang="en-US" sz="2400" dirty="0">
-              <a:latin typeface="Times New Roman" panose="02020603050405020304" pitchFamily="18" charset="0"/>
-              <a:cs typeface="Times New Roman" panose="02020603050405020304" pitchFamily="18" charset="0"/>
-            </a:endParaRPr>
           </a:p>
         </p:txBody>
       </p:sp>
@@ -6335,11 +6289,6 @@
               </a:rPr>
               <a:t>Online Portfolio</a:t>
             </a:r>
-            <a:endParaRPr lang="en-IN" sz="2400" dirty="0">
-              <a:solidFill>
-                <a:schemeClr val="tx1"/>
-              </a:solidFill>
-            </a:endParaRPr>
           </a:p>
         </p:txBody>
       </p:sp>
@@ -6363,12 +6312,12 @@
           <a:bodyPr wrap="square" rtlCol="0">
             <a:spAutoFit/>
           </a:bodyPr>
+          <a:lstStyle/>
           <a:p>
             <a:r>
               <a:rPr lang="en-US" sz="2800"/>
               <a:t>Project Overview</a:t>
             </a:r>
-            <a:endParaRPr lang="en-US" sz="2800"/>
           </a:p>
         </p:txBody>
       </p:sp>
@@ -6377,13 +6326,13 @@
   <p:clrMapOvr>
     <a:masterClrMapping/>
   </p:clrMapOvr>
-  <mc:AlternateContent xmlns:mc="http://schemas.openxmlformats.org/markup-compatibility/2006">
-    <mc:Choice xmlns:p14="http://schemas.microsoft.com/office/powerpoint/2010/main" Requires="p14">
+  <mc:AlternateContent xmlns:mc="http://schemas.openxmlformats.org/markup-compatibility/2006" xmlns:p14="http://schemas.microsoft.com/office/powerpoint/2010/main">
+    <mc:Choice Requires="p14">
       <p:transition spd="slow" p14:dur="10000">
         <p:cut/>
       </p:transition>
     </mc:Choice>
-    <mc:Fallback>
+    <mc:Fallback xmlns="">
       <p:transition spd="slow">
         <p:cut/>
       </p:transition>
@@ -6401,7 +6350,14 @@
         <p:cNvGrpSpPr/>
         <p:nvPr/>
       </p:nvGrpSpPr>
-      <p:grpSpPr/>
+      <p:grpSpPr>
+        <a:xfrm>
+          <a:off x="0" y="0"/>
+          <a:ext cx="0" cy="0"/>
+          <a:chOff x="0" y="0"/>
+          <a:chExt cx="0" cy="0"/>
+        </a:xfrm>
+      </p:grpSpPr>
       <p:sp>
         <p:nvSpPr>
           <p:cNvPr id="2" name="Text Box 1"/>
@@ -6422,12 +6378,12 @@
           <a:bodyPr wrap="square" rtlCol="0">
             <a:noAutofit/>
           </a:bodyPr>
+          <a:lstStyle/>
           <a:p>
             <a:r>
               <a:rPr lang="en-US" sz="2800"/>
               <a:t>Team Structure</a:t>
             </a:r>
-            <a:endParaRPr lang="en-US" sz="2800"/>
           </a:p>
         </p:txBody>
       </p:sp>
@@ -6451,16 +6407,17 @@
           <a:bodyPr wrap="square" rtlCol="0">
             <a:noAutofit/>
           </a:bodyPr>
+          <a:lstStyle/>
           <a:p>
             <a:r>
-              <a:rPr lang="en-US" sz="2400"/>
+              <a:rPr lang="en-US" sz="2400" dirty="0"/>
               <a:t>1)</a:t>
             </a:r>
             <a:r>
-              <a:rPr lang="en-US" sz="2400" b="1" u="sng"/>
+              <a:rPr lang="en-US" sz="2400" b="1" u="sng" dirty="0"/>
               <a:t>Aryan Sanghi</a:t>
             </a:r>
-            <a:endParaRPr lang="en-US" sz="2400"/>
+            <a:endParaRPr lang="en-US" sz="2400" dirty="0"/>
           </a:p>
           <a:p>
             <a:pPr marL="342900" indent="-342900">
@@ -6468,10 +6425,25 @@
               <a:buChar char="•"/>
             </a:pPr>
             <a:r>
-              <a:rPr lang="en-US" sz="2000"/>
-              <a:t>Power Point Presentation,Making of the Portfolio Pdf,Help in coding   and Git hub commits.</a:t>
+              <a:rPr lang="en-US" sz="2000" dirty="0"/>
+              <a:t>Power Point </a:t>
             </a:r>
-            <a:endParaRPr lang="en-US" sz="2000"/>
+            <a:r>
+              <a:rPr lang="en-US" sz="2000" dirty="0" err="1"/>
+              <a:t>Presentation,Making</a:t>
+            </a:r>
+            <a:r>
+              <a:rPr lang="en-US" sz="2000" dirty="0"/>
+              <a:t> of the Portfolio </a:t>
+            </a:r>
+            <a:r>
+              <a:rPr lang="en-US" sz="2000" dirty="0" err="1"/>
+              <a:t>Pdf,Help</a:t>
+            </a:r>
+            <a:r>
+              <a:rPr lang="en-US" sz="2000" dirty="0"/>
+              <a:t> in coding   and Git hub commits.</a:t>
+            </a:r>
           </a:p>
           <a:p>
             <a:pPr marL="0" indent="0">
@@ -6479,14 +6451,13 @@
               <a:buNone/>
             </a:pPr>
             <a:r>
-              <a:rPr lang="en-US" sz="2400"/>
+              <a:rPr lang="en-US" sz="2400" dirty="0"/>
               <a:t>2)</a:t>
             </a:r>
             <a:r>
-              <a:rPr lang="en-US" sz="2400" b="1" u="sng"/>
+              <a:rPr lang="en-US" sz="2400" b="1" u="sng" dirty="0"/>
               <a:t>Chirag Khosla</a:t>
             </a:r>
-            <a:endParaRPr lang="en-US" sz="2400" b="1" u="sng"/>
           </a:p>
           <a:p>
             <a:pPr marL="342900" indent="-342900">
@@ -6494,10 +6465,17 @@
               <a:buChar char="•"/>
             </a:pPr>
             <a:r>
-              <a:rPr lang="en-US" sz="2000"/>
-              <a:t>Coding(html,css),Help in Power Point Presentation and Git hub Commits.</a:t>
+              <a:rPr lang="en-US" sz="2000" dirty="0"/>
+              <a:t>Coding(</a:t>
             </a:r>
-            <a:endParaRPr lang="en-US" sz="2000"/>
+            <a:r>
+              <a:rPr lang="en-US" sz="2000" dirty="0" err="1"/>
+              <a:t>html,css</a:t>
+            </a:r>
+            <a:r>
+              <a:rPr lang="en-US" sz="2000" dirty="0"/>
+              <a:t>),Help in Power Point Presentation and Git hub Commits.</a:t>
+            </a:r>
           </a:p>
           <a:p>
             <a:pPr marL="0" indent="0">
@@ -6505,14 +6483,13 @@
               <a:buNone/>
             </a:pPr>
             <a:r>
-              <a:rPr lang="en-US" sz="2400"/>
+              <a:rPr lang="en-US" sz="2400" dirty="0"/>
               <a:t>3)</a:t>
             </a:r>
             <a:r>
-              <a:rPr lang="en-US" sz="2400" b="1" u="sng"/>
+              <a:rPr lang="en-US" sz="2400" b="1" u="sng" dirty="0"/>
               <a:t>Ayush Gupta</a:t>
             </a:r>
-            <a:endParaRPr lang="en-US" sz="2400" b="1" u="sng"/>
           </a:p>
           <a:p>
             <a:pPr marL="342900" indent="-342900">
@@ -6520,10 +6497,9 @@
               <a:buChar char="•"/>
             </a:pPr>
             <a:r>
-              <a:rPr lang="en-US" sz="2000"/>
+              <a:rPr lang="en-US" sz="2000" dirty="0"/>
               <a:t>Coding(Backend),Website photo upload option and </a:t>
             </a:r>
-            <a:endParaRPr lang="en-US" sz="2000"/>
           </a:p>
           <a:p>
             <a:pPr marL="0" indent="0">
@@ -6531,10 +6507,9 @@
               <a:buNone/>
             </a:pPr>
             <a:r>
-              <a:rPr lang="en-US" sz="2000"/>
-              <a:t>     Git hub commits.</a:t>
+              <a:rPr lang="en-US" sz="2000" dirty="0"/>
+              <a:t>     Git hub commits , HTML and CSS , PPT.</a:t>
             </a:r>
-            <a:endParaRPr lang="en-US" sz="2000"/>
           </a:p>
           <a:p>
             <a:pPr marL="0" indent="0">
@@ -6542,14 +6517,13 @@
               <a:buNone/>
             </a:pPr>
             <a:r>
-              <a:rPr lang="en-US" sz="2400"/>
+              <a:rPr lang="en-US" sz="2400" dirty="0"/>
               <a:t>4)</a:t>
             </a:r>
             <a:r>
-              <a:rPr lang="en-US" sz="2400" b="1" u="sng"/>
+              <a:rPr lang="en-US" sz="2400" b="1" u="sng" dirty="0"/>
               <a:t>Guransh Singh Saluja</a:t>
             </a:r>
-            <a:endParaRPr lang="en-US" sz="2400" b="1" u="sng"/>
           </a:p>
           <a:p>
             <a:pPr marL="342900" indent="-342900">
@@ -6557,10 +6531,9 @@
               <a:buChar char="•"/>
             </a:pPr>
             <a:r>
-              <a:rPr lang="en-US" sz="2000"/>
+              <a:rPr lang="en-US" sz="2000" dirty="0"/>
               <a:t>Coding(Backend),Git hub commits.</a:t>
             </a:r>
-            <a:endParaRPr lang="en-US" sz="2000"/>
           </a:p>
           <a:p>
             <a:pPr marL="0" indent="0">
@@ -6568,14 +6541,13 @@
               <a:buNone/>
             </a:pPr>
             <a:r>
-              <a:rPr lang="en-US" sz="2400"/>
+              <a:rPr lang="en-US" sz="2400" dirty="0"/>
               <a:t>5)</a:t>
             </a:r>
             <a:r>
-              <a:rPr lang="en-US" sz="2400" b="1" u="sng"/>
+              <a:rPr lang="en-US" sz="2400" b="1" u="sng" dirty="0"/>
               <a:t>Chirag Sharma</a:t>
             </a:r>
-            <a:endParaRPr lang="en-US" sz="2400" b="1" u="sng"/>
           </a:p>
           <a:p>
             <a:pPr marL="342900" indent="-342900">
@@ -6583,17 +6555,17 @@
               <a:buChar char="•"/>
             </a:pPr>
             <a:r>
-              <a:rPr lang="en-US" sz="2000"/>
+              <a:rPr lang="en-US" sz="2000" dirty="0"/>
               <a:t>Coding(Backend),Git hub commits.</a:t>
             </a:r>
-            <a:endParaRPr lang="en-US" sz="2400"/>
+            <a:endParaRPr lang="en-US" sz="2400" dirty="0"/>
           </a:p>
           <a:p>
             <a:pPr marL="0" indent="0">
               <a:buFont typeface="Arial" panose="020B0604020202020204" pitchFamily="34" charset="0"/>
               <a:buNone/>
             </a:pPr>
-            <a:endParaRPr lang="en-US" sz="2400"/>
+            <a:endParaRPr lang="en-US" sz="2400" dirty="0"/>
           </a:p>
         </p:txBody>
       </p:sp>
@@ -6602,13 +6574,13 @@
   <p:clrMapOvr>
     <a:masterClrMapping/>
   </p:clrMapOvr>
-  <mc:AlternateContent xmlns:mc="http://schemas.openxmlformats.org/markup-compatibility/2006">
-    <mc:Choice xmlns:p14="http://schemas.microsoft.com/office/powerpoint/2010/main" Requires="p14">
+  <mc:AlternateContent xmlns:mc="http://schemas.openxmlformats.org/markup-compatibility/2006" xmlns:p14="http://schemas.microsoft.com/office/powerpoint/2010/main">
+    <mc:Choice Requires="p14">
       <p:transition spd="slow" p14:dur="10000">
         <p:cut/>
       </p:transition>
     </mc:Choice>
-    <mc:Fallback>
+    <mc:Fallback xmlns="">
       <p:transition spd="slow">
         <p:cut/>
       </p:transition>
@@ -6680,15 +6652,6 @@
               </a:rPr>
               <a:t>Problem Statement</a:t>
             </a:r>
-            <a:endParaRPr lang="en-US" sz="3200">
-              <a:solidFill>
-                <a:schemeClr val="dk1"/>
-              </a:solidFill>
-              <a:latin typeface="Times New Roman" panose="02020603050405020304"/>
-              <a:ea typeface="Times New Roman" panose="02020603050405020304"/>
-              <a:cs typeface="Times New Roman" panose="02020603050405020304"/>
-              <a:sym typeface="Times New Roman" panose="02020603050405020304"/>
-            </a:endParaRPr>
           </a:p>
         </p:txBody>
       </p:sp>
@@ -6791,7 +6754,6 @@
               <a:rPr lang="en-US" sz="2400" dirty="0"/>
               <a:t>Many individuals struggle to present their skills, projects, and achievements in a structured and visually appealing manner. </a:t>
             </a:r>
-            <a:endParaRPr lang="en-US" sz="2400" dirty="0"/>
           </a:p>
           <a:p>
             <a:pPr marL="457200" marR="0" lvl="0" indent="-431800" algn="l" rtl="0">
@@ -6826,7 +6788,6 @@
               <a:rPr lang="en-US" sz="2400" dirty="0"/>
               <a:t>Without a portfolio, professionals and creatives may miss opportunities to showcase their work to potential clients, employers, or collaborators. </a:t>
             </a:r>
-            <a:endParaRPr lang="en-US" sz="2400" dirty="0"/>
           </a:p>
           <a:p>
             <a:pPr marL="457200" marR="0" lvl="0" indent="-431800" algn="l" rtl="0">
@@ -6869,15 +6830,6 @@
               </a:rPr>
               <a:t>.</a:t>
             </a:r>
-            <a:endParaRPr lang="en-US" sz="2400" dirty="0">
-              <a:solidFill>
-                <a:schemeClr val="dk1"/>
-              </a:solidFill>
-              <a:latin typeface="Times New Roman" panose="02020603050405020304"/>
-              <a:ea typeface="Times New Roman" panose="02020603050405020304"/>
-              <a:cs typeface="Times New Roman" panose="02020603050405020304"/>
-              <a:sym typeface="Times New Roman" panose="02020603050405020304"/>
-            </a:endParaRPr>
           </a:p>
         </p:txBody>
       </p:sp>
@@ -6886,11 +6838,11 @@
   <p:clrMapOvr>
     <a:masterClrMapping/>
   </p:clrMapOvr>
-  <mc:AlternateContent xmlns:mc="http://schemas.openxmlformats.org/markup-compatibility/2006">
-    <mc:Choice xmlns:p14="http://schemas.microsoft.com/office/powerpoint/2010/main" Requires="p14">
+  <mc:AlternateContent xmlns:mc="http://schemas.openxmlformats.org/markup-compatibility/2006" xmlns:p14="http://schemas.microsoft.com/office/powerpoint/2010/main">
+    <mc:Choice Requires="p14">
       <p:transition p14:dur="0"/>
     </mc:Choice>
-    <mc:Fallback>
+    <mc:Fallback xmlns="">
       <p:transition/>
     </mc:Fallback>
   </mc:AlternateContent>
@@ -6958,11 +6910,6 @@
               </a:rPr>
               <a:t>Technologies Used</a:t>
             </a:r>
-            <a:endParaRPr lang="en-IN" sz="2800">
-              <a:solidFill>
-                <a:schemeClr val="tx1"/>
-              </a:solidFill>
-            </a:endParaRPr>
           </a:p>
         </p:txBody>
       </p:sp>
@@ -7082,11 +7029,6 @@
               </a:rPr>
               <a:t>HTML</a:t>
             </a:r>
-            <a:endParaRPr lang="en-IN" sz="2400">
-              <a:solidFill>
-                <a:schemeClr val="tx1"/>
-              </a:solidFill>
-            </a:endParaRPr>
           </a:p>
         </p:txBody>
       </p:sp>
@@ -7134,11 +7076,6 @@
               </a:rPr>
               <a:t>CSS</a:t>
             </a:r>
-            <a:endParaRPr lang="en-IN" sz="2400" dirty="0">
-              <a:solidFill>
-                <a:schemeClr val="tx1"/>
-              </a:solidFill>
-            </a:endParaRPr>
           </a:p>
         </p:txBody>
       </p:sp>
@@ -7266,11 +7203,6 @@
               </a:rPr>
               <a:t>Used for structuring the content of the website</a:t>
             </a:r>
-            <a:endParaRPr lang="en-IN" sz="1600" b="1" dirty="0">
-              <a:solidFill>
-                <a:schemeClr val="tx1"/>
-              </a:solidFill>
-            </a:endParaRPr>
           </a:p>
         </p:txBody>
       </p:sp>
@@ -7318,11 +7250,6 @@
               </a:rPr>
               <a:t>Employed for styling and layout to enhance the visual appeal of the site</a:t>
             </a:r>
-            <a:endParaRPr lang="en-IN" sz="1600" b="1" dirty="0">
-              <a:solidFill>
-                <a:schemeClr val="tx1"/>
-              </a:solidFill>
-            </a:endParaRPr>
           </a:p>
         </p:txBody>
       </p:sp>
@@ -7406,11 +7333,6 @@
               </a:rPr>
               <a:t>JAVASCRIPT</a:t>
             </a:r>
-            <a:endParaRPr lang="en-IN" sz="2400" dirty="0">
-              <a:solidFill>
-                <a:schemeClr val="tx1"/>
-              </a:solidFill>
-            </a:endParaRPr>
           </a:p>
         </p:txBody>
       </p:sp>
@@ -7511,13 +7433,13 @@
   <p:clrMapOvr>
     <a:masterClrMapping/>
   </p:clrMapOvr>
-  <mc:AlternateContent xmlns:mc="http://schemas.openxmlformats.org/markup-compatibility/2006">
-    <mc:Choice xmlns:p14="http://schemas.microsoft.com/office/powerpoint/2010/main" Requires="p14">
+  <mc:AlternateContent xmlns:mc="http://schemas.openxmlformats.org/markup-compatibility/2006" xmlns:p14="http://schemas.microsoft.com/office/powerpoint/2010/main">
+    <mc:Choice Requires="p14">
       <p:transition spd="slow" p14:dur="10000">
         <p:cut/>
       </p:transition>
     </mc:Choice>
-    <mc:Fallback>
+    <mc:Fallback xmlns="">
       <p:transition spd="slow">
         <p:cut/>
       </p:transition>
@@ -7570,7 +7492,6 @@
               <a:rPr lang="en-IN" altLang="en-US" sz="2600"/>
               <a:t>Contributions</a:t>
             </a:r>
-            <a:endParaRPr lang="en-IN" altLang="en-US" sz="2600"/>
           </a:p>
         </p:txBody>
       </p:sp>
@@ -7582,11 +7503,16 @@
             <p:custDataLst>
               <p:tags r:id="rId1"/>
             </p:custDataLst>
+            <p:extLst>
+              <p:ext uri="{D42A27DB-BD31-4B8C-83A1-F6EECF244321}">
+                <p14:modId xmlns:p14="http://schemas.microsoft.com/office/powerpoint/2010/main" val="3771195955"/>
+              </p:ext>
+            </p:extLst>
           </p:nvPr>
         </p:nvGraphicFramePr>
         <p:xfrm>
           <a:off x="344466" y="933494"/>
-          <a:ext cx="8455068" cy="5669280"/>
+          <a:ext cx="8455068" cy="6035040"/>
         </p:xfrm>
         <a:graphic>
           <a:graphicData uri="http://schemas.openxmlformats.org/drawingml/2006/table">
@@ -7595,8 +7521,20 @@
                 <a:tableStyleId>{5C22544A-7EE6-4342-B048-85BDC9FD1C3A}</a:tableStyleId>
               </a:tblPr>
               <a:tblGrid>
-                <a:gridCol w="4227534"/>
-                <a:gridCol w="4227534"/>
+                <a:gridCol w="4227534">
+                  <a:extLst>
+                    <a:ext uri="{9D8B030D-6E8A-4147-A177-3AD203B41FA5}">
+                      <a16:colId xmlns:a16="http://schemas.microsoft.com/office/drawing/2014/main" val="20000"/>
+                    </a:ext>
+                  </a:extLst>
+                </a:gridCol>
+                <a:gridCol w="4227534">
+                  <a:extLst>
+                    <a:ext uri="{9D8B030D-6E8A-4147-A177-3AD203B41FA5}">
+                      <a16:colId xmlns:a16="http://schemas.microsoft.com/office/drawing/2014/main" val="20001"/>
+                    </a:ext>
+                  </a:extLst>
+                </a:gridCol>
               </a:tblGrid>
               <a:tr h="325753">
                 <a:tc>
@@ -7611,7 +7549,6 @@
                         <a:rPr lang="en-IN" altLang="en-US" sz="2400"/>
                         <a:t>Team Members</a:t>
                       </a:r>
-                      <a:endParaRPr lang="en-IN" altLang="en-US" sz="2400"/>
                     </a:p>
                   </a:txBody>
                   <a:tcPr/>
@@ -7628,11 +7565,15 @@
                         <a:rPr lang="en-IN" altLang="en-US" sz="2400"/>
                         <a:t>Contributions</a:t>
                       </a:r>
-                      <a:endParaRPr lang="en-IN" altLang="en-US" sz="2400"/>
                     </a:p>
                   </a:txBody>
                   <a:tcPr/>
                 </a:tc>
+                <a:extLst>
+                  <a:ext uri="{0D108BD9-81ED-4DB2-BD59-A6C34878D82A}">
+                    <a16:rowId xmlns:a16="http://schemas.microsoft.com/office/drawing/2014/main" val="10000"/>
+                  </a:ext>
+                </a:extLst>
               </a:tr>
               <a:tr h="586356">
                 <a:tc>
@@ -7647,7 +7588,6 @@
                         <a:rPr lang="en-IN" altLang="en-US" sz="2400" dirty="0"/>
                         <a:t>Chirag Khosla</a:t>
                       </a:r>
-                      <a:endParaRPr lang="en-IN" altLang="en-US" sz="2400" dirty="0"/>
                     </a:p>
                   </a:txBody>
                   <a:tcPr/>
@@ -7672,11 +7612,15 @@
                         <a:rPr lang="en-IN" altLang="en-US" sz="2400" dirty="0"/>
                         <a:t> Development</a:t>
                       </a:r>
-                      <a:endParaRPr lang="en-IN" altLang="en-US" sz="2400" dirty="0"/>
                     </a:p>
                   </a:txBody>
                   <a:tcPr/>
                 </a:tc>
+                <a:extLst>
+                  <a:ext uri="{0D108BD9-81ED-4DB2-BD59-A6C34878D82A}">
+                    <a16:rowId xmlns:a16="http://schemas.microsoft.com/office/drawing/2014/main" val="10001"/>
+                  </a:ext>
+                </a:extLst>
               </a:tr>
               <a:tr h="586356">
                 <a:tc>
@@ -7691,7 +7635,6 @@
                         <a:rPr lang="en-IN" altLang="en-US" sz="2400" dirty="0"/>
                         <a:t>Aryan Sanghi</a:t>
                       </a:r>
-                      <a:endParaRPr lang="en-IN" altLang="en-US" sz="2400" dirty="0"/>
                     </a:p>
                   </a:txBody>
                   <a:tcPr/>
@@ -7731,11 +7674,15 @@
                         <a:rPr lang="en-IN" altLang="en-US" sz="2400" dirty="0"/>
                         <a:t> Development</a:t>
                       </a:r>
-                      <a:endParaRPr lang="en-IN" altLang="en-US" sz="2400" dirty="0"/>
                     </a:p>
                   </a:txBody>
                   <a:tcPr/>
                 </a:tc>
+                <a:extLst>
+                  <a:ext uri="{0D108BD9-81ED-4DB2-BD59-A6C34878D82A}">
+                    <a16:rowId xmlns:a16="http://schemas.microsoft.com/office/drawing/2014/main" val="10002"/>
+                  </a:ext>
+                </a:extLst>
               </a:tr>
               <a:tr h="846958">
                 <a:tc>
@@ -7750,7 +7697,86 @@
                         <a:rPr lang="en-IN" altLang="en-US" sz="2400" dirty="0"/>
                         <a:t>Ayush Gupta</a:t>
                       </a:r>
+                    </a:p>
+                  </a:txBody>
+                  <a:tcPr/>
+                </a:tc>
+                <a:tc>
+                  <a:txBody>
+                    <a:bodyPr/>
+                    <a:lstStyle/>
+                    <a:p>
+                      <a:pPr marL="0" marR="0" lvl="0" indent="0" algn="ctr" defTabSz="914400" rtl="0" eaLnBrk="1" fontAlgn="auto" latinLnBrk="0" hangingPunct="1">
+                        <a:lnSpc>
+                          <a:spcPct val="100000"/>
+                        </a:lnSpc>
+                        <a:spcBef>
+                          <a:spcPts val="0"/>
+                        </a:spcBef>
+                        <a:spcAft>
+                          <a:spcPts val="0"/>
+                        </a:spcAft>
+                        <a:buClr>
+                          <a:srgbClr val="000000"/>
+                        </a:buClr>
+                        <a:buSzTx/>
+                        <a:buFont typeface="Arial" panose="020B0604020202020204"/>
+                        <a:buNone/>
+                        <a:defRPr/>
+                      </a:pPr>
+                      <a:r>
+                        <a:rPr lang="en-IN" altLang="en-US" sz="2400"/>
+                        <a:t>Website Design ,  </a:t>
+                      </a:r>
+                      <a:r>
+                        <a:rPr lang="en-IN" altLang="en-US" sz="2400" dirty="0" err="1"/>
+                        <a:t>Frontend,Javascript</a:t>
+                      </a:r>
+                      <a:r>
+                        <a:rPr lang="en-IN" altLang="en-US" sz="2400" dirty="0"/>
+                        <a:t>, Html , </a:t>
+                      </a:r>
+                      <a:r>
+                        <a:rPr lang="en-IN" altLang="en-US" sz="2400" dirty="0" err="1"/>
+                        <a:t>css</a:t>
+                      </a:r>
+                      <a:r>
+                        <a:rPr lang="en-IN" altLang="en-US" sz="2400" dirty="0"/>
+                        <a:t> Coding </a:t>
+                      </a:r>
+                    </a:p>
+                    <a:p>
+                      <a:pPr algn="ctr">
+                        <a:buNone/>
+                      </a:pPr>
                       <a:endParaRPr lang="en-IN" altLang="en-US" sz="2400" dirty="0"/>
+                    </a:p>
+                  </a:txBody>
+                  <a:tcPr/>
+                </a:tc>
+                <a:extLst>
+                  <a:ext uri="{0D108BD9-81ED-4DB2-BD59-A6C34878D82A}">
+                    <a16:rowId xmlns:a16="http://schemas.microsoft.com/office/drawing/2014/main" val="10003"/>
+                  </a:ext>
+                </a:extLst>
+              </a:tr>
+              <a:tr h="846958">
+                <a:tc>
+                  <a:txBody>
+                    <a:bodyPr/>
+                    <a:lstStyle/>
+                    <a:p>
+                      <a:pPr algn="ctr">
+                        <a:buNone/>
+                      </a:pPr>
+                      <a:r>
+                        <a:rPr lang="en-IN" altLang="en-US" sz="2400" dirty="0" err="1"/>
+                        <a:t>Guransh</a:t>
+                      </a:r>
+                      <a:r>
+                        <a:rPr lang="en-IN" altLang="en-US" sz="2400" dirty="0"/>
+                        <a:t> Singh</a:t>
+                      </a:r>
                     </a:p>
                   </a:txBody>
                   <a:tcPr/>
@@ -7790,7 +7816,6 @@
                         <a:rPr lang="en-IN" altLang="en-US" sz="2400" dirty="0"/>
                         <a:t> Coding </a:t>
                       </a:r>
-                      <a:endParaRPr lang="en-IN" altLang="en-US" sz="2400" dirty="0"/>
                     </a:p>
                     <a:p>
                       <a:pPr algn="ctr">
@@ -7801,6 +7826,11 @@
                   </a:txBody>
                   <a:tcPr/>
                 </a:tc>
+                <a:extLst>
+                  <a:ext uri="{0D108BD9-81ED-4DB2-BD59-A6C34878D82A}">
+                    <a16:rowId xmlns:a16="http://schemas.microsoft.com/office/drawing/2014/main" val="10004"/>
+                  </a:ext>
+                </a:extLst>
               </a:tr>
               <a:tr h="846958">
                 <a:tc>
@@ -7812,14 +7842,9 @@
                         <a:buNone/>
                       </a:pPr>
                       <a:r>
-                        <a:rPr lang="en-IN" altLang="en-US" sz="2400" dirty="0" err="1"/>
-                        <a:t>Guransh</a:t>
+                        <a:rPr lang="en-IN" altLang="en-US" sz="2400" dirty="0"/>
+                        <a:t>Chirag Sharma</a:t>
                       </a:r>
-                      <a:r>
-                        <a:rPr lang="en-IN" altLang="en-US" sz="2400" dirty="0"/>
-                        <a:t> Singh</a:t>
-                      </a:r>
-                      <a:endParaRPr lang="en-IN" altLang="en-US" sz="2400" dirty="0"/>
                     </a:p>
                   </a:txBody>
                   <a:tcPr/>
@@ -7859,7 +7884,6 @@
                         <a:rPr lang="en-IN" altLang="en-US" sz="2400" dirty="0"/>
                         <a:t> Coding </a:t>
                       </a:r>
-                      <a:endParaRPr lang="en-IN" altLang="en-US" sz="2400" dirty="0"/>
                     </a:p>
                     <a:p>
                       <a:pPr algn="ctr">
@@ -7870,71 +7894,11 @@
                   </a:txBody>
                   <a:tcPr/>
                 </a:tc>
-              </a:tr>
-              <a:tr h="846958">
-                <a:tc>
-                  <a:txBody>
-                    <a:bodyPr/>
-                    <a:lstStyle/>
-                    <a:p>
-                      <a:pPr algn="ctr">
-                        <a:buNone/>
-                      </a:pPr>
-                      <a:r>
-                        <a:rPr lang="en-IN" altLang="en-US" sz="2400" dirty="0"/>
-                        <a:t>Chirag Sharma</a:t>
-                      </a:r>
-                      <a:endParaRPr lang="en-IN" altLang="en-US" sz="2400" dirty="0"/>
-                    </a:p>
-                  </a:txBody>
-                  <a:tcPr/>
-                </a:tc>
-                <a:tc>
-                  <a:txBody>
-                    <a:bodyPr/>
-                    <a:lstStyle/>
-                    <a:p>
-                      <a:pPr marL="0" marR="0" lvl="0" indent="0" algn="ctr" defTabSz="914400" rtl="0" eaLnBrk="1" fontAlgn="auto" latinLnBrk="0" hangingPunct="1">
-                        <a:lnSpc>
-                          <a:spcPct val="100000"/>
-                        </a:lnSpc>
-                        <a:spcBef>
-                          <a:spcPts val="0"/>
-                        </a:spcBef>
-                        <a:spcAft>
-                          <a:spcPts val="0"/>
-                        </a:spcAft>
-                        <a:buClr>
-                          <a:srgbClr val="000000"/>
-                        </a:buClr>
-                        <a:buSzTx/>
-                        <a:buFont typeface="Arial" panose="020B0604020202020204"/>
-                        <a:buNone/>
-                        <a:defRPr/>
-                      </a:pPr>
-                      <a:r>
-                        <a:rPr lang="en-IN" altLang="en-US" sz="2400" dirty="0"/>
-                        <a:t>Backend </a:t>
-                      </a:r>
-                      <a:r>
-                        <a:rPr lang="en-IN" altLang="en-US" sz="2400" dirty="0" err="1"/>
-                        <a:t>Logic,Javascript</a:t>
-                      </a:r>
-                      <a:r>
-                        <a:rPr lang="en-IN" altLang="en-US" sz="2400" dirty="0"/>
-                        <a:t> Coding </a:t>
-                      </a:r>
-                      <a:endParaRPr lang="en-IN" altLang="en-US" sz="2400" dirty="0"/>
-                    </a:p>
-                    <a:p>
-                      <a:pPr algn="ctr">
-                        <a:buNone/>
-                      </a:pPr>
-                      <a:endParaRPr lang="en-IN" altLang="en-US" sz="2400" dirty="0"/>
-                    </a:p>
-                  </a:txBody>
-                  <a:tcPr/>
-                </a:tc>
+                <a:extLst>
+                  <a:ext uri="{0D108BD9-81ED-4DB2-BD59-A6C34878D82A}">
+                    <a16:rowId xmlns:a16="http://schemas.microsoft.com/office/drawing/2014/main" val="10005"/>
+                  </a:ext>
+                </a:extLst>
               </a:tr>
             </a:tbl>
           </a:graphicData>
@@ -7945,13 +7909,13 @@
   <p:clrMapOvr>
     <a:masterClrMapping/>
   </p:clrMapOvr>
-  <mc:AlternateContent xmlns:mc="http://schemas.openxmlformats.org/markup-compatibility/2006">
-    <mc:Choice xmlns:p14="http://schemas.microsoft.com/office/powerpoint/2010/main" Requires="p14">
+  <mc:AlternateContent xmlns:mc="http://schemas.openxmlformats.org/markup-compatibility/2006" xmlns:p14="http://schemas.microsoft.com/office/powerpoint/2010/main">
+    <mc:Choice Requires="p14">
       <p:transition spd="slow" p14:dur="10000">
         <p:cut/>
       </p:transition>
     </mc:Choice>
-    <mc:Fallback>
+    <mc:Fallback xmlns="">
       <p:transition spd="slow">
         <p:cut/>
       </p:transition>
@@ -7969,7 +7933,14 @@
         <p:cNvGrpSpPr/>
         <p:nvPr/>
       </p:nvGrpSpPr>
-      <p:grpSpPr/>
+      <p:grpSpPr>
+        <a:xfrm>
+          <a:off x="0" y="0"/>
+          <a:ext cx="0" cy="0"/>
+          <a:chOff x="0" y="0"/>
+          <a:chExt cx="0" cy="0"/>
+        </a:xfrm>
+      </p:grpSpPr>
       <p:sp>
         <p:nvSpPr>
           <p:cNvPr id="2" name="Text Box 1"/>
@@ -7990,12 +7961,12 @@
           <a:bodyPr wrap="square" rtlCol="0">
             <a:spAutoFit/>
           </a:bodyPr>
+          <a:lstStyle/>
           <a:p>
             <a:r>
               <a:rPr lang="en-US" sz="2400"/>
               <a:t>Website Insight</a:t>
             </a:r>
-            <a:endParaRPr lang="en-US" sz="2400"/>
           </a:p>
         </p:txBody>
       </p:sp>
@@ -8019,6 +7990,7 @@
           <a:bodyPr wrap="square" rtlCol="0">
             <a:noAutofit/>
           </a:bodyPr>
+          <a:lstStyle/>
           <a:p>
             <a:endParaRPr lang="en-US"/>
           </a:p>
@@ -8033,7 +8005,7 @@
           <p:nvPr/>
         </p:nvPicPr>
         <p:blipFill>
-          <a:blip r:embed="rId1"/>
+          <a:blip r:embed="rId2"/>
           <a:stretch>
             <a:fillRect/>
           </a:stretch>
@@ -8057,7 +8029,7 @@
           <p:nvPr/>
         </p:nvPicPr>
         <p:blipFill>
-          <a:blip r:embed="rId2"/>
+          <a:blip r:embed="rId3"/>
           <a:stretch>
             <a:fillRect/>
           </a:stretch>
@@ -8081,7 +8053,7 @@
           <p:nvPr/>
         </p:nvPicPr>
         <p:blipFill>
-          <a:blip r:embed="rId3"/>
+          <a:blip r:embed="rId4"/>
           <a:stretch>
             <a:fillRect/>
           </a:stretch>
@@ -8101,13 +8073,13 @@
   <p:clrMapOvr>
     <a:masterClrMapping/>
   </p:clrMapOvr>
-  <mc:AlternateContent xmlns:mc="http://schemas.openxmlformats.org/markup-compatibility/2006">
-    <mc:Choice xmlns:p14="http://schemas.microsoft.com/office/powerpoint/2010/main" Requires="p14">
+  <mc:AlternateContent xmlns:mc="http://schemas.openxmlformats.org/markup-compatibility/2006" xmlns:p14="http://schemas.microsoft.com/office/powerpoint/2010/main">
+    <mc:Choice Requires="p14">
       <p:transition spd="slow" p14:dur="10000">
         <p:cut/>
       </p:transition>
     </mc:Choice>
-    <mc:Fallback>
+    <mc:Fallback xmlns="">
       <p:transition spd="slow">
         <p:cut/>
       </p:transition>
@@ -8125,7 +8097,14 @@
         <p:cNvGrpSpPr/>
         <p:nvPr/>
       </p:nvGrpSpPr>
-      <p:grpSpPr/>
+      <p:grpSpPr>
+        <a:xfrm>
+          <a:off x="0" y="0"/>
+          <a:ext cx="0" cy="0"/>
+          <a:chOff x="0" y="0"/>
+          <a:chExt cx="0" cy="0"/>
+        </a:xfrm>
+      </p:grpSpPr>
       <p:sp>
         <p:nvSpPr>
           <p:cNvPr id="3" name="Text Box 2"/>
@@ -8146,12 +8125,12 @@
           <a:bodyPr wrap="square" rtlCol="0">
             <a:noAutofit/>
           </a:bodyPr>
+          <a:lstStyle/>
           <a:p>
             <a:r>
               <a:rPr lang="en-US" sz="2400"/>
               <a:t>Project Team Readme.md File</a:t>
             </a:r>
-            <a:endParaRPr lang="en-US" sz="2400"/>
           </a:p>
         </p:txBody>
       </p:sp>
@@ -8164,7 +8143,7 @@
           <p:nvPr/>
         </p:nvPicPr>
         <p:blipFill>
-          <a:blip r:embed="rId1"/>
+          <a:blip r:embed="rId2"/>
           <a:stretch>
             <a:fillRect/>
           </a:stretch>
@@ -8199,6 +8178,7 @@
           <a:bodyPr wrap="square" rtlCol="0">
             <a:noAutofit/>
           </a:bodyPr>
+          <a:lstStyle/>
           <a:p>
             <a:r>
               <a:rPr lang="en-US" sz="2400" b="1" u="sng"/>
@@ -8208,14 +8188,12 @@
               <a:rPr lang="en-US" sz="2400" b="1"/>
               <a:t> :</a:t>
             </a:r>
-            <a:endParaRPr lang="en-US" sz="2400" b="1"/>
           </a:p>
           <a:p>
             <a:r>
               <a:rPr lang="en-US" altLang="en-US" sz="2400" b="1"/>
               <a:t>https://github.com/Aryan100-crypto/SCM-project/blob/main/README.md</a:t>
             </a:r>
-            <a:endParaRPr lang="en-US" altLang="en-US" sz="2400" b="1"/>
           </a:p>
           <a:p>
             <a:endParaRPr lang="en-US"/>
@@ -8230,13 +8208,13 @@
   <p:clrMapOvr>
     <a:masterClrMapping/>
   </p:clrMapOvr>
-  <mc:AlternateContent xmlns:mc="http://schemas.openxmlformats.org/markup-compatibility/2006">
-    <mc:Choice xmlns:p14="http://schemas.microsoft.com/office/powerpoint/2010/main" Requires="p14">
+  <mc:AlternateContent xmlns:mc="http://schemas.openxmlformats.org/markup-compatibility/2006" xmlns:p14="http://schemas.microsoft.com/office/powerpoint/2010/main">
+    <mc:Choice Requires="p14">
       <p:transition spd="slow" p14:dur="10000">
         <p:cut/>
       </p:transition>
     </mc:Choice>
-    <mc:Fallback>
+    <mc:Fallback xmlns="">
       <p:transition spd="slow">
         <p:cut/>
       </p:transition>
@@ -8254,7 +8232,14 @@
         <p:cNvGrpSpPr/>
         <p:nvPr/>
       </p:nvGrpSpPr>
-      <p:grpSpPr/>
+      <p:grpSpPr>
+        <a:xfrm>
+          <a:off x="0" y="0"/>
+          <a:ext cx="0" cy="0"/>
+          <a:chOff x="0" y="0"/>
+          <a:chExt cx="0" cy="0"/>
+        </a:xfrm>
+      </p:grpSpPr>
       <p:sp>
         <p:nvSpPr>
           <p:cNvPr id="4" name="Text Box 3"/>
@@ -8275,12 +8260,12 @@
           <a:bodyPr wrap="square" rtlCol="0">
             <a:noAutofit/>
           </a:bodyPr>
+          <a:lstStyle/>
           <a:p>
             <a:r>
               <a:rPr lang="en-US" altLang="en-US" sz="2400"/>
               <a:t>Project Repository Network Graph</a:t>
             </a:r>
-            <a:endParaRPr lang="en-US" altLang="en-US" sz="2400"/>
           </a:p>
         </p:txBody>
       </p:sp>
@@ -8304,6 +8289,7 @@
           <a:bodyPr wrap="square" rtlCol="0">
             <a:noAutofit/>
           </a:bodyPr>
+          <a:lstStyle/>
           <a:p>
             <a:endParaRPr lang="en-US"/>
           </a:p>
@@ -8318,7 +8304,7 @@
           <p:nvPr/>
         </p:nvPicPr>
         <p:blipFill>
-          <a:blip r:embed="rId1"/>
+          <a:blip r:embed="rId2"/>
           <a:stretch>
             <a:fillRect/>
           </a:stretch>
@@ -8338,13 +8324,13 @@
   <p:clrMapOvr>
     <a:masterClrMapping/>
   </p:clrMapOvr>
-  <mc:AlternateContent xmlns:mc="http://schemas.openxmlformats.org/markup-compatibility/2006">
-    <mc:Choice xmlns:p14="http://schemas.microsoft.com/office/powerpoint/2010/main" Requires="p14">
+  <mc:AlternateContent xmlns:mc="http://schemas.openxmlformats.org/markup-compatibility/2006" xmlns:p14="http://schemas.microsoft.com/office/powerpoint/2010/main">
+    <mc:Choice Requires="p14">
       <p:transition spd="slow" p14:dur="10000">
         <p:cut/>
       </p:transition>
     </mc:Choice>
-    <mc:Fallback>
+    <mc:Fallback xmlns="">
       <p:transition spd="slow">
         <p:cut/>
       </p:transition>
@@ -8354,7 +8340,7 @@
 </file>
 
 <file path=ppt/tags/tag1.xml><?xml version="1.0" encoding="utf-8"?>
-<p:tagLst xmlns:p="http://schemas.openxmlformats.org/presentationml/2006/main">
+<p:tagLst xmlns:a="http://schemas.openxmlformats.org/drawingml/2006/main" xmlns:r="http://schemas.openxmlformats.org/officeDocument/2006/relationships" xmlns:p="http://schemas.openxmlformats.org/presentationml/2006/main">
   <p:tag name="TABLE_ENDDRAG_ORIGIN_RECT" val="588*323"/>
   <p:tag name="TABLE_ENDDRAG_RECT" val="84*124*588*323"/>
 </p:tagLst>
@@ -8636,6 +8622,8 @@
       </a:bgFillStyleLst>
     </a:fmtScheme>
   </a:themeElements>
+  <a:objectDefaults/>
+  <a:extraClrSchemeLst/>
   <a:extLst>
     <a:ext uri="{05A4C25C-085E-4340-85A3-A5531E510DB2}">
       <thm15:themeFamily xmlns:thm15="http://schemas.microsoft.com/office/thememl/2012/main" name="Office Theme" id="{62F939B6-93AF-4DB8-9C6B-D6C7DFDC589F}" vid="{4A3C46E8-61CC-4603-A589-7422A47A8E4A}"/>
@@ -8920,6 +8908,8 @@
       </a:bgFillStyleLst>
     </a:fmtScheme>
   </a:themeElements>
+  <a:objectDefaults/>
+  <a:extraClrSchemeLst/>
   <a:extLst>
     <a:ext uri="{05A4C25C-085E-4340-85A3-A5531E510DB2}">
       <thm15:themeFamily xmlns:thm15="http://schemas.microsoft.com/office/thememl/2012/main" name="Office Theme" id="{62F939B6-93AF-4DB8-9C6B-D6C7DFDC589F}" vid="{4A3C46E8-61CC-4603-A589-7422A47A8E4A}"/>
